--- a/Capstone_III_AirbnbPricePrediction/Airbnb_Presentation.pptx
+++ b/Capstone_III_AirbnbPricePrediction/Airbnb_Presentation.pptx
@@ -232,7 +232,7 @@
           <a:p>
             <a:fld id="{3D3DD571-E22F-4A38-B450-8CCBD829A548}" type="datetimeFigureOut">
               <a:rPr lang="en-US"/>
-              <a:t>12/11/2024</a:t>
+              <a:t>12/12/2024</a:t>
             </a:fld>
             <a:endParaRPr lang="en-US" dirty="0"/>
           </a:p>
@@ -830,7 +830,7 @@
           <a:p>
             <a:fld id="{703E2F8D-62B3-48AF-BAF5-944399905ED0}" type="datetimeFigureOut">
               <a:rPr lang="en-US" smtClean="0"/>
-              <a:t>12/11/2024</a:t>
+              <a:t>12/12/2024</a:t>
             </a:fld>
             <a:endParaRPr lang="en-US" dirty="0"/>
           </a:p>
@@ -1044,7 +1044,7 @@
           <a:p>
             <a:fld id="{703E2F8D-62B3-48AF-BAF5-944399905ED0}" type="datetimeFigureOut">
               <a:rPr lang="en-US" smtClean="0"/>
-              <a:t>12/11/2024</a:t>
+              <a:t>12/12/2024</a:t>
             </a:fld>
             <a:endParaRPr lang="en-US" dirty="0"/>
           </a:p>
@@ -4475,7 +4475,7 @@
             <a:fld id="{8BEEBAAA-29B5-4AF5-BC5F-7E580C29002D}" type="datetimeFigureOut">
               <a:rPr lang="en-US" smtClean="0"/>
               <a:pPr/>
-              <a:t>12/11/2024</a:t>
+              <a:t>12/12/2024</a:t>
             </a:fld>
             <a:endParaRPr lang="en-US" dirty="0"/>
           </a:p>
@@ -5171,7 +5171,7 @@
           <a:p>
             <a:fld id="{703E2F8D-62B3-48AF-BAF5-944399905ED0}" type="datetimeFigureOut">
               <a:rPr lang="en-US" smtClean="0"/>
-              <a:t>12/11/2024</a:t>
+              <a:t>12/12/2024</a:t>
             </a:fld>
             <a:endParaRPr lang="en-US" dirty="0"/>
           </a:p>
@@ -5598,7 +5598,7 @@
           <a:p>
             <a:fld id="{703E2F8D-62B3-48AF-BAF5-944399905ED0}" type="datetimeFigureOut">
               <a:rPr lang="en-US" smtClean="0"/>
-              <a:t>12/11/2024</a:t>
+              <a:t>12/12/2024</a:t>
             </a:fld>
             <a:endParaRPr lang="en-US" dirty="0"/>
           </a:p>
@@ -5747,7 +5747,7 @@
           <a:p>
             <a:fld id="{703E2F8D-62B3-48AF-BAF5-944399905ED0}" type="datetimeFigureOut">
               <a:rPr lang="en-US" smtClean="0"/>
-              <a:t>12/11/2024</a:t>
+              <a:t>12/12/2024</a:t>
             </a:fld>
             <a:endParaRPr lang="en-US" dirty="0"/>
           </a:p>
@@ -5860,7 +5860,7 @@
           <a:p>
             <a:fld id="{703E2F8D-62B3-48AF-BAF5-944399905ED0}" type="datetimeFigureOut">
               <a:rPr lang="en-US" smtClean="0"/>
-              <a:t>12/11/2024</a:t>
+              <a:t>12/12/2024</a:t>
             </a:fld>
             <a:endParaRPr lang="en-US" dirty="0"/>
           </a:p>
@@ -6180,7 +6180,7 @@
           <a:p>
             <a:fld id="{703E2F8D-62B3-48AF-BAF5-944399905ED0}" type="datetimeFigureOut">
               <a:rPr lang="en-US" smtClean="0"/>
-              <a:t>12/11/2024</a:t>
+              <a:t>12/12/2024</a:t>
             </a:fld>
             <a:endParaRPr lang="en-US" dirty="0"/>
           </a:p>
@@ -6481,7 +6481,7 @@
           <a:p>
             <a:fld id="{703E2F8D-62B3-48AF-BAF5-944399905ED0}" type="datetimeFigureOut">
               <a:rPr lang="en-US" smtClean="0"/>
-              <a:t>12/11/2024</a:t>
+              <a:t>12/12/2024</a:t>
             </a:fld>
             <a:endParaRPr lang="en-US" dirty="0"/>
           </a:p>
@@ -6725,7 +6725,7 @@
           <a:p>
             <a:fld id="{703E2F8D-62B3-48AF-BAF5-944399905ED0}" type="datetimeFigureOut">
               <a:rPr lang="en-US" smtClean="0"/>
-              <a:t>12/11/2024</a:t>
+              <a:t>12/12/2024</a:t>
             </a:fld>
             <a:endParaRPr lang="en-US" dirty="0"/>
           </a:p>
@@ -11268,8 +11268,8 @@
               </a:lnSpc>
             </a:pPr>
             <a:r>
-              <a:rPr lang="en-US" b="1" dirty="0"/>
-              <a:t>Current Challenges</a:t>
+              <a:rPr lang="en-US" b="1"/>
+              <a:t>Challenges</a:t>
             </a:r>
             <a:r>
               <a:rPr lang="en-US" dirty="0"/>
@@ -15812,6 +15812,15 @@
 </file>
 
 <file path=customXml/item2.xml><?xml version="1.0" encoding="utf-8"?>
+<?mso-contentType ?>
+<FormTemplates xmlns="http://schemas.microsoft.com/sharepoint/v3/contenttype/forms">
+  <Display>DocumentLibraryForm</Display>
+  <Edit>DocumentLibraryForm</Edit>
+  <New>DocumentLibraryForm</New>
+</FormTemplates>
+</file>
+
+<file path=customXml/item3.xml><?xml version="1.0" encoding="utf-8"?>
 <p:properties xmlns:p="http://schemas.microsoft.com/office/2006/metadata/properties" xmlns:xsi="http://www.w3.org/2001/XMLSchema-instance" xmlns:pc="http://schemas.microsoft.com/office/infopath/2007/PartnerControls">
   <documentManagement>
     <_ip_UnifiedCompliancePolicyUIAction xmlns="http://schemas.microsoft.com/sharepoint/v3" xsi:nil="true"/>
@@ -15829,15 +15838,6 @@
     <MediaServiceKeyPoints xmlns="71af3243-3dd4-4a8d-8c0d-dd76da1f02a5" xsi:nil="true"/>
   </documentManagement>
 </p:properties>
-</file>
-
-<file path=customXml/item3.xml><?xml version="1.0" encoding="utf-8"?>
-<?mso-contentType ?>
-<FormTemplates xmlns="http://schemas.microsoft.com/sharepoint/v3/contenttype/forms">
-  <Display>DocumentLibraryForm</Display>
-  <Edit>DocumentLibraryForm</Edit>
-  <New>DocumentLibraryForm</New>
-</FormTemplates>
 </file>
 
 <file path=customXml/itemProps1.xml><?xml version="1.0" encoding="utf-8"?>
@@ -15862,6 +15862,14 @@
 </file>
 
 <file path=customXml/itemProps2.xml><?xml version="1.0" encoding="utf-8"?>
+<ds:datastoreItem xmlns:ds="http://schemas.openxmlformats.org/officeDocument/2006/customXml" ds:itemID="{1A1A6209-623F-4A40-A043-EF97F4DE5176}">
+  <ds:schemaRefs>
+    <ds:schemaRef ds:uri="http://schemas.microsoft.com/sharepoint/v3/contenttype/forms"/>
+  </ds:schemaRefs>
+</ds:datastoreItem>
+</file>
+
+<file path=customXml/itemProps3.xml><?xml version="1.0" encoding="utf-8"?>
 <ds:datastoreItem xmlns:ds="http://schemas.openxmlformats.org/officeDocument/2006/customXml" ds:itemID="{4478DEAE-E0CA-42BB-BA2E-F6A39AAEB4B0}">
   <ds:schemaRefs>
     <ds:schemaRef ds:uri="http://schemas.microsoft.com/office/2006/metadata/properties"/>
@@ -15873,14 +15881,6 @@
 </ds:datastoreItem>
 </file>
 
-<file path=customXml/itemProps3.xml><?xml version="1.0" encoding="utf-8"?>
-<ds:datastoreItem xmlns:ds="http://schemas.openxmlformats.org/officeDocument/2006/customXml" ds:itemID="{1A1A6209-623F-4A40-A043-EF97F4DE5176}">
-  <ds:schemaRefs>
-    <ds:schemaRef ds:uri="http://schemas.microsoft.com/sharepoint/v3/contenttype/forms"/>
-  </ds:schemaRefs>
-</ds:datastoreItem>
-</file>
-
 <file path=docMetadata/LabelInfo.xml><?xml version="1.0" encoding="utf-8"?>
 <clbl:labelList xmlns:clbl="http://schemas.microsoft.com/office/2020/mipLabelMetadata"/>
 </file>